--- a/docs/Git Workflow with GitEye.pptx
+++ b/docs/Git Workflow with GitEye.pptx
@@ -213,7 +213,7 @@
           <a:p>
             <a:fld id="{824CAEED-1546-40F0-A6E7-99F0A44B4BD7}" type="datetimeFigureOut">
               <a:rPr lang="en-GB" smtClean="0"/>
-              <a:t>20/10/2013</a:t>
+              <a:t>21/10/2013</a:t>
             </a:fld>
             <a:endParaRPr lang="en-GB"/>
           </a:p>
@@ -1082,7 +1082,7 @@
           <a:p>
             <a:fld id="{D55D0D8E-E5A4-427E-ADD9-F42CF6AA9141}" type="datetimeFigureOut">
               <a:rPr lang="en-GB" smtClean="0"/>
-              <a:t>20/10/2013</a:t>
+              <a:t>21/10/2013</a:t>
             </a:fld>
             <a:endParaRPr lang="en-GB"/>
           </a:p>
@@ -1252,7 +1252,7 @@
           <a:p>
             <a:fld id="{D55D0D8E-E5A4-427E-ADD9-F42CF6AA9141}" type="datetimeFigureOut">
               <a:rPr lang="en-GB" smtClean="0"/>
-              <a:t>20/10/2013</a:t>
+              <a:t>21/10/2013</a:t>
             </a:fld>
             <a:endParaRPr lang="en-GB"/>
           </a:p>
@@ -1432,7 +1432,7 @@
           <a:p>
             <a:fld id="{D55D0D8E-E5A4-427E-ADD9-F42CF6AA9141}" type="datetimeFigureOut">
               <a:rPr lang="en-GB" smtClean="0"/>
-              <a:t>20/10/2013</a:t>
+              <a:t>21/10/2013</a:t>
             </a:fld>
             <a:endParaRPr lang="en-GB"/>
           </a:p>
@@ -1602,7 +1602,7 @@
           <a:p>
             <a:fld id="{D55D0D8E-E5A4-427E-ADD9-F42CF6AA9141}" type="datetimeFigureOut">
               <a:rPr lang="en-GB" smtClean="0"/>
-              <a:t>20/10/2013</a:t>
+              <a:t>21/10/2013</a:t>
             </a:fld>
             <a:endParaRPr lang="en-GB"/>
           </a:p>
@@ -1848,7 +1848,7 @@
           <a:p>
             <a:fld id="{D55D0D8E-E5A4-427E-ADD9-F42CF6AA9141}" type="datetimeFigureOut">
               <a:rPr lang="en-GB" smtClean="0"/>
-              <a:t>20/10/2013</a:t>
+              <a:t>21/10/2013</a:t>
             </a:fld>
             <a:endParaRPr lang="en-GB"/>
           </a:p>
@@ -2136,7 +2136,7 @@
           <a:p>
             <a:fld id="{D55D0D8E-E5A4-427E-ADD9-F42CF6AA9141}" type="datetimeFigureOut">
               <a:rPr lang="en-GB" smtClean="0"/>
-              <a:t>20/10/2013</a:t>
+              <a:t>21/10/2013</a:t>
             </a:fld>
             <a:endParaRPr lang="en-GB"/>
           </a:p>
@@ -2558,7 +2558,7 @@
           <a:p>
             <a:fld id="{D55D0D8E-E5A4-427E-ADD9-F42CF6AA9141}" type="datetimeFigureOut">
               <a:rPr lang="en-GB" smtClean="0"/>
-              <a:t>20/10/2013</a:t>
+              <a:t>21/10/2013</a:t>
             </a:fld>
             <a:endParaRPr lang="en-GB"/>
           </a:p>
@@ -2676,7 +2676,7 @@
           <a:p>
             <a:fld id="{D55D0D8E-E5A4-427E-ADD9-F42CF6AA9141}" type="datetimeFigureOut">
               <a:rPr lang="en-GB" smtClean="0"/>
-              <a:t>20/10/2013</a:t>
+              <a:t>21/10/2013</a:t>
             </a:fld>
             <a:endParaRPr lang="en-GB"/>
           </a:p>
@@ -2771,7 +2771,7 @@
           <a:p>
             <a:fld id="{D55D0D8E-E5A4-427E-ADD9-F42CF6AA9141}" type="datetimeFigureOut">
               <a:rPr lang="en-GB" smtClean="0"/>
-              <a:t>20/10/2013</a:t>
+              <a:t>21/10/2013</a:t>
             </a:fld>
             <a:endParaRPr lang="en-GB"/>
           </a:p>
@@ -3048,7 +3048,7 @@
           <a:p>
             <a:fld id="{D55D0D8E-E5A4-427E-ADD9-F42CF6AA9141}" type="datetimeFigureOut">
               <a:rPr lang="en-GB" smtClean="0"/>
-              <a:t>20/10/2013</a:t>
+              <a:t>21/10/2013</a:t>
             </a:fld>
             <a:endParaRPr lang="en-GB"/>
           </a:p>
@@ -3301,7 +3301,7 @@
           <a:p>
             <a:fld id="{D55D0D8E-E5A4-427E-ADD9-F42CF6AA9141}" type="datetimeFigureOut">
               <a:rPr lang="en-GB" smtClean="0"/>
-              <a:t>20/10/2013</a:t>
+              <a:t>21/10/2013</a:t>
             </a:fld>
             <a:endParaRPr lang="en-GB"/>
           </a:p>
@@ -3514,7 +3514,7 @@
           <a:p>
             <a:fld id="{D55D0D8E-E5A4-427E-ADD9-F42CF6AA9141}" type="datetimeFigureOut">
               <a:rPr lang="en-GB" smtClean="0"/>
-              <a:t>20/10/2013</a:t>
+              <a:t>21/10/2013</a:t>
             </a:fld>
             <a:endParaRPr lang="en-GB"/>
           </a:p>
@@ -5261,11 +5261,7 @@
             </a:br>
             <a:r>
               <a:rPr lang="en-GB" dirty="0" smtClean="0"/>
-              <a:t>(for Major/Risky </a:t>
-            </a:r>
-            <a:r>
-              <a:rPr lang="en-GB" dirty="0" smtClean="0"/>
-              <a:t>Developments)</a:t>
+              <a:t>(for Major/Risky Developments)</a:t>
             </a:r>
             <a:endParaRPr lang="en-GB" dirty="0"/>
           </a:p>
@@ -5351,15 +5347,7 @@
                 </a:pPr>
                 <a:r>
                   <a:rPr lang="en-GB" dirty="0" smtClean="0"/>
-                  <a:t>Create </a:t>
-                </a:r>
-                <a:r>
-                  <a:rPr lang="en-GB" dirty="0" smtClean="0"/>
-                  <a:t>a new </a:t>
-                </a:r>
-                <a:r>
-                  <a:rPr lang="en-GB" dirty="0" smtClean="0"/>
-                  <a:t>side branch</a:t>
+                  <a:t>Create a new side branch</a:t>
                 </a:r>
               </a:p>
               <a:p>
@@ -5376,40 +5364,7 @@
                       </a:schemeClr>
                     </a:solidFill>
                   </a:rPr>
-                  <a:t>Make, stage</a:t>
-                </a:r>
-                <a:r>
-                  <a:rPr lang="en-GB" dirty="0" smtClean="0">
-                    <a:solidFill>
-                      <a:schemeClr val="tx1">
-                        <a:lumMod val="50000"/>
-                        <a:lumOff val="50000"/>
-                      </a:schemeClr>
-                    </a:solidFill>
-                  </a:rPr>
-                  <a:t>, and </a:t>
-                </a:r>
-                <a:r>
-                  <a:rPr lang="en-GB" dirty="0" smtClean="0">
-                    <a:solidFill>
-                      <a:schemeClr val="tx1">
-                        <a:lumMod val="50000"/>
-                        <a:lumOff val="50000"/>
-                      </a:schemeClr>
-                    </a:solidFill>
-                  </a:rPr>
-                  <a:t>commit </a:t>
-                </a:r>
-                <a:r>
-                  <a:rPr lang="en-GB" dirty="0" smtClean="0">
-                    <a:solidFill>
-                      <a:schemeClr val="tx1">
-                        <a:lumMod val="50000"/>
-                        <a:lumOff val="50000"/>
-                      </a:schemeClr>
-                    </a:solidFill>
-                  </a:rPr>
-                  <a:t>changes </a:t>
+                  <a:t>Make, stage, and commit changes </a:t>
                 </a:r>
                 <a:r>
                   <a:rPr lang="en-GB" dirty="0"/>
@@ -5550,11 +5505,27 @@
                 </a:pPr>
                 <a:r>
                   <a:rPr lang="en-GB" dirty="0" smtClean="0"/>
-                  <a:t>(Optional) delete side </a:t>
+                  <a:t>Delete </a:t>
                 </a:r>
                 <a:r>
                   <a:rPr lang="en-GB" dirty="0" smtClean="0"/>
-                  <a:t>branch</a:t>
+                  <a:t>side </a:t>
+                </a:r>
+                <a:r>
+                  <a:rPr lang="en-GB" dirty="0"/>
+                  <a:t>branch </a:t>
+                </a:r>
+                <a:r>
+                  <a:rPr lang="en-GB" dirty="0" smtClean="0"/>
+                  <a:t>(optional</a:t>
+                </a:r>
+                <a:r>
+                  <a:rPr lang="en-GB" dirty="0"/>
+                  <a:t>) </a:t>
+                </a:r>
+                <a:r>
+                  <a:rPr lang="en-GB" dirty="0" smtClean="0"/>
+                  <a:t/>
                 </a:r>
                 <a:br>
                   <a:rPr lang="en-GB" dirty="0" smtClean="0"/>
@@ -5668,15 +5639,7 @@
             <a:pPr marL="514350" indent="-514350"/>
             <a:r>
               <a:rPr lang="en-GB" dirty="0" smtClean="0"/>
-              <a:t>2. Create </a:t>
-            </a:r>
-            <a:r>
-              <a:rPr lang="en-GB" dirty="0" smtClean="0"/>
-              <a:t>a New </a:t>
-            </a:r>
-            <a:r>
-              <a:rPr lang="en-GB" dirty="0" smtClean="0"/>
-              <a:t>Side Branch</a:t>
+              <a:t>2. Create a New Side Branch</a:t>
             </a:r>
             <a:endParaRPr lang="en-GB" dirty="0"/>
           </a:p>
@@ -5859,11 +5822,7 @@
           <a:p>
             <a:r>
               <a:rPr lang="en-GB" dirty="0" smtClean="0"/>
-              <a:t>4. </a:t>
-            </a:r>
-            <a:r>
-              <a:rPr lang="en-GB" dirty="0" smtClean="0"/>
-              <a:t>Stay Up-to-Date</a:t>
+              <a:t>4. Stay Up-to-Date</a:t>
             </a:r>
             <a:r>
               <a:rPr lang="en-GB" dirty="0" smtClean="0">
@@ -5912,11 +5871,7 @@
           <a:p>
             <a:r>
               <a:rPr lang="en-GB" dirty="0" smtClean="0"/>
-              <a:t>Fetch &amp; Pull </a:t>
-            </a:r>
-            <a:r>
-              <a:rPr lang="en-GB" dirty="0" smtClean="0"/>
-              <a:t>origin/master</a:t>
+              <a:t>Fetch &amp; Pull origin/master</a:t>
             </a:r>
             <a:br>
               <a:rPr lang="en-GB" dirty="0" smtClean="0"/>
@@ -5931,41 +5886,32 @@
             </a:r>
             <a:r>
               <a:rPr lang="en-GB" dirty="0" smtClean="0"/>
-              <a:t> </a:t>
-            </a:r>
+              <a:t> your branch</a:t>
+            </a:r>
+          </a:p>
+          <a:p>
+            <a:endParaRPr lang="en-GB" dirty="0"/>
+          </a:p>
+          <a:p>
+            <a:endParaRPr lang="en-GB" dirty="0" smtClean="0"/>
+          </a:p>
+          <a:p>
+            <a:endParaRPr lang="en-GB" dirty="0"/>
+          </a:p>
+          <a:p>
+            <a:endParaRPr lang="en-GB" dirty="0" smtClean="0"/>
+          </a:p>
+          <a:p>
+            <a:endParaRPr lang="en-GB" dirty="0"/>
+          </a:p>
+          <a:p>
+            <a:endParaRPr lang="en-GB" dirty="0" smtClean="0"/>
+          </a:p>
+          <a:p>
             <a:r>
               <a:rPr lang="en-GB" dirty="0" smtClean="0"/>
-              <a:t>your branch</a:t>
-            </a:r>
-          </a:p>
-          <a:p>
-            <a:endParaRPr lang="en-GB" dirty="0"/>
-          </a:p>
-          <a:p>
-            <a:endParaRPr lang="en-GB" dirty="0" smtClean="0"/>
-          </a:p>
-          <a:p>
-            <a:endParaRPr lang="en-GB" dirty="0"/>
-          </a:p>
-          <a:p>
-            <a:endParaRPr lang="en-GB" dirty="0" smtClean="0"/>
-          </a:p>
-          <a:p>
-            <a:endParaRPr lang="en-GB" dirty="0"/>
-          </a:p>
-          <a:p>
-            <a:endParaRPr lang="en-GB" dirty="0" smtClean="0"/>
-          </a:p>
-          <a:p>
-            <a:r>
-              <a:rPr lang="en-GB" dirty="0" smtClean="0"/>
-              <a:t>and resolve </a:t>
-            </a:r>
-            <a:r>
-              <a:rPr lang="en-GB" dirty="0" smtClean="0"/>
-              <a:t>any conflicts ...</a:t>
-            </a:r>
-            <a:endParaRPr lang="en-GB" dirty="0" smtClean="0"/>
+              <a:t>and resolve any conflicts ...</a:t>
+            </a:r>
           </a:p>
         </p:txBody>
       </p:sp>
@@ -6584,7 +6530,7 @@
         <p:spPr>
           <a:xfrm>
             <a:off x="3851920" y="4149079"/>
-            <a:ext cx="3884205" cy="523220"/>
+            <a:ext cx="3418628" cy="523220"/>
           </a:xfrm>
           <a:prstGeom prst="rect">
             <a:avLst/>
@@ -6598,19 +6544,19 @@
           <a:p>
             <a:r>
               <a:rPr lang="en-GB" sz="2800" dirty="0" smtClean="0"/>
-              <a:t>6. Push </a:t>
+              <a:t>6. </a:t>
+            </a:r>
+            <a:r>
+              <a:rPr lang="en-GB" sz="2800" dirty="0" smtClean="0"/>
+              <a:t>and push </a:t>
             </a:r>
             <a:r>
               <a:rPr lang="en-GB" sz="2800" dirty="0"/>
-              <a:t>to origin/master</a:t>
-            </a:r>
-            <a:r>
-              <a:rPr lang="en-GB" sz="2800" dirty="0">
-                <a:solidFill>
-                  <a:srgbClr val="C00000"/>
-                </a:solidFill>
-              </a:rPr>
-              <a:t>*</a:t>
+              <a:t>to </a:t>
+            </a:r>
+            <a:r>
+              <a:rPr lang="en-GB" sz="2800" dirty="0" smtClean="0"/>
+              <a:t>remote</a:t>
             </a:r>
             <a:endParaRPr lang="en-GB" sz="2800" dirty="0"/>
           </a:p>
@@ -6694,39 +6640,7 @@
           <a:p>
             <a:r>
               <a:rPr lang="en-GB" sz="2600" dirty="0" smtClean="0"/>
-              <a:t>If someone </a:t>
-            </a:r>
-            <a:r>
-              <a:rPr lang="en-GB" sz="2600" dirty="0" smtClean="0"/>
-              <a:t>updated remote master </a:t>
-            </a:r>
-            <a:r>
-              <a:rPr lang="en-GB" sz="2600" dirty="0" smtClean="0"/>
-              <a:t>in </a:t>
-            </a:r>
-            <a:r>
-              <a:rPr lang="en-GB" sz="2600" dirty="0" smtClean="0"/>
-              <a:t>the meantime, </a:t>
-            </a:r>
-            <a:r>
-              <a:rPr lang="en-GB" sz="2600" dirty="0" smtClean="0"/>
-              <a:t>you </a:t>
-            </a:r>
-            <a:r>
-              <a:rPr lang="en-GB" sz="2600" dirty="0" smtClean="0"/>
-              <a:t>need </a:t>
-            </a:r>
-            <a:r>
-              <a:rPr lang="en-GB" sz="2600" dirty="0" smtClean="0"/>
-              <a:t>to Pull </a:t>
-            </a:r>
-            <a:r>
-              <a:rPr lang="en-GB" sz="2600" dirty="0" smtClean="0"/>
-              <a:t>and </a:t>
-            </a:r>
-            <a:r>
-              <a:rPr lang="en-GB" sz="2600" dirty="0" smtClean="0"/>
-              <a:t>deal with the potential merge conflicts</a:t>
+              <a:t>If someone updated remote master in the meantime, you need to Pull and deal with the potential merge conflicts</a:t>
             </a:r>
           </a:p>
         </p:txBody>
@@ -6816,11 +6730,7 @@
           <a:p>
             <a:r>
               <a:rPr lang="en-GB" dirty="0" smtClean="0"/>
-              <a:t>Delete your local side branch if this particular line of development is </a:t>
-            </a:r>
-            <a:r>
-              <a:rPr lang="en-GB" dirty="0" smtClean="0"/>
-              <a:t>completed</a:t>
+              <a:t>Delete your local side branch if this particular line of development is completed</a:t>
             </a:r>
           </a:p>
           <a:p>
@@ -6988,13 +6898,8 @@
             <a:pPr lvl="1"/>
             <a:r>
               <a:rPr lang="en-GB" dirty="0" smtClean="0"/>
-              <a:t>Push master to </a:t>
-            </a:r>
-            <a:r>
-              <a:rPr lang="en-GB" dirty="0" smtClean="0"/>
-              <a:t>remote</a:t>
-            </a:r>
-            <a:endParaRPr lang="en-GB" dirty="0" smtClean="0"/>
+              <a:t>Push master to remote</a:t>
+            </a:r>
           </a:p>
           <a:p>
             <a:r>
@@ -7005,11 +6910,7 @@
           <a:p>
             <a:r>
               <a:rPr lang="en-GB" dirty="0" smtClean="0"/>
-              <a:t>Try your best to resolve all conflicts, especially when dealing with the remote </a:t>
-            </a:r>
-            <a:r>
-              <a:rPr lang="en-GB" dirty="0" smtClean="0"/>
-              <a:t>branch</a:t>
+              <a:t>Try your best to resolve all conflicts, especially when dealing with the remote branch</a:t>
             </a:r>
           </a:p>
           <a:p>
@@ -7031,11 +6932,11 @@
   <p:clrMapOvr>
     <a:masterClrMapping/>
   </p:clrMapOvr>
-  <mc:AlternateContent xmlns:mc="http://schemas.openxmlformats.org/markup-compatibility/2006">
-    <mc:Choice xmlns:p14="http://schemas.microsoft.com/office/powerpoint/2010/main" Requires="p14">
+  <mc:AlternateContent xmlns:mc="http://schemas.openxmlformats.org/markup-compatibility/2006" xmlns:p14="http://schemas.microsoft.com/office/powerpoint/2010/main">
+    <mc:Choice Requires="p14">
       <p:transition spd="slow" p14:dur="2000"/>
     </mc:Choice>
-    <mc:Fallback>
+    <mc:Fallback xmlns="">
       <p:transition spd="slow"/>
     </mc:Fallback>
   </mc:AlternateContent>
@@ -7092,7 +6993,12 @@
             <p:ph idx="1"/>
           </p:nvPr>
         </p:nvSpPr>
-        <p:spPr/>
+        <p:spPr>
+          <a:xfrm>
+            <a:off x="0" y="1600200"/>
+            <a:ext cx="9144000" cy="4525963"/>
+          </a:xfrm>
+        </p:spPr>
         <p:txBody>
           <a:bodyPr/>
           <a:lstStyle/>
@@ -7113,27 +7019,44 @@
           <a:p>
             <a:pPr lvl="1"/>
             <a:r>
+              <a:rPr lang="en-GB" dirty="0" smtClean="0"/>
+              <a:t>Always </a:t>
+            </a:r>
+            <a:r>
               <a:rPr lang="en-GB" dirty="0"/>
-              <a:t>You should always have full confidence that deploying </a:t>
+              <a:t>have full confidence </a:t>
+            </a:r>
+            <a:r>
+              <a:rPr lang="en-GB" dirty="0" smtClean="0"/>
+              <a:t>that </a:t>
+            </a:r>
+            <a:r>
+              <a:rPr lang="en-GB" dirty="0" smtClean="0"/>
+              <a:t>deployment </a:t>
             </a:r>
             <a:r>
               <a:rPr lang="en-GB" dirty="0" smtClean="0"/>
               <a:t>to the remote won’t </a:t>
             </a:r>
             <a:r>
-              <a:rPr lang="en-GB" dirty="0"/>
-              <a:t>break </a:t>
-            </a:r>
-            <a:r>
               <a:rPr lang="en-GB" dirty="0" smtClean="0"/>
-              <a:t>anything</a:t>
-            </a:r>
+              <a:t>cause trouble</a:t>
+            </a:r>
+            <a:endParaRPr lang="en-GB" dirty="0" smtClean="0"/>
           </a:p>
           <a:p>
             <a:pPr lvl="1"/>
             <a:r>
               <a:rPr lang="en-GB" dirty="0" smtClean="0"/>
-              <a:t>Develop features and bug fixes in side branches</a:t>
+              <a:t>Develop features and bug fixes </a:t>
+            </a:r>
+            <a:r>
+              <a:rPr lang="en-GB" dirty="0" smtClean="0"/>
+              <a:t>in (local) </a:t>
+            </a:r>
+            <a:r>
+              <a:rPr lang="en-GB" dirty="0" smtClean="0"/>
+              <a:t>side branches</a:t>
             </a:r>
           </a:p>
           <a:p>
@@ -7153,7 +7076,11 @@
             <a:pPr lvl="1"/>
             <a:r>
               <a:rPr lang="en-GB" dirty="0" smtClean="0"/>
-              <a:t>Team communication</a:t>
+              <a:t>Frequent team </a:t>
+            </a:r>
+            <a:r>
+              <a:rPr lang="en-GB" dirty="0" smtClean="0"/>
+              <a:t>communication</a:t>
             </a:r>
           </a:p>
           <a:p>
@@ -10916,11 +10843,7 @@
             </a:br>
             <a:r>
               <a:rPr lang="en-GB" dirty="0" smtClean="0"/>
-              <a:t>(for Minor/Safe </a:t>
-            </a:r>
-            <a:r>
-              <a:rPr lang="en-GB" dirty="0" smtClean="0"/>
-              <a:t>Modifications)</a:t>
+              <a:t>(for Minor/Safe Modifications)</a:t>
             </a:r>
             <a:endParaRPr lang="en-GB" dirty="0"/>
           </a:p>
@@ -10962,11 +10885,7 @@
             </a:r>
             <a:r>
               <a:rPr lang="en-GB" altLang="zh-CN" sz="2800" dirty="0" smtClean="0"/>
-              <a:t> </a:t>
-            </a:r>
-            <a:r>
-              <a:rPr lang="en-GB" altLang="zh-CN" sz="2800" dirty="0" smtClean="0"/>
-              <a:t>remote</a:t>
+              <a:t> remote</a:t>
             </a:r>
             <a:endParaRPr lang="en-GB" sz="2800" dirty="0" smtClean="0">
               <a:solidFill>
@@ -10991,11 +10910,7 @@
             </a:pPr>
             <a:r>
               <a:rPr lang="en-GB" sz="2800" dirty="0" smtClean="0"/>
-              <a:t>Stage, commit and push </a:t>
-            </a:r>
-            <a:r>
-              <a:rPr lang="en-GB" sz="2800" dirty="0" smtClean="0"/>
-              <a:t>changes</a:t>
+              <a:t>Stage, commit and push changes</a:t>
             </a:r>
           </a:p>
           <a:p>
@@ -12662,13 +12577,8 @@
           <a:p>
             <a:r>
               <a:rPr lang="en-GB" dirty="0" smtClean="0"/>
-              <a:t>Switch to master (if not already on</a:t>
-            </a:r>
-            <a:r>
-              <a:rPr lang="en-GB" dirty="0" smtClean="0"/>
-              <a:t>) and pull</a:t>
-            </a:r>
-            <a:endParaRPr lang="en-GB" dirty="0" smtClean="0"/>
+              <a:t>Switch to master (if not already on) and pull</a:t>
+            </a:r>
           </a:p>
         </p:txBody>
       </p:sp>
@@ -12821,11 +12731,7 @@
           <a:p>
             <a:r>
               <a:rPr lang="en-GB" dirty="0" smtClean="0"/>
-              <a:t>2. </a:t>
-            </a:r>
-            <a:r>
-              <a:rPr lang="en-GB" dirty="0" smtClean="0"/>
-              <a:t>Make Changes</a:t>
+              <a:t>2. Make Changes</a:t>
             </a:r>
             <a:endParaRPr lang="en-GB" dirty="0"/>
           </a:p>
@@ -12942,11 +12848,7 @@
           <a:p>
             <a:r>
               <a:rPr lang="en-GB" dirty="0" smtClean="0"/>
-              <a:t>3(a). </a:t>
-            </a:r>
-            <a:r>
-              <a:rPr lang="en-GB" dirty="0" smtClean="0"/>
-              <a:t>Stage Changes</a:t>
+              <a:t>3(a). Stage Changes</a:t>
             </a:r>
             <a:endParaRPr lang="en-GB" dirty="0"/>
           </a:p>
@@ -13074,11 +12976,7 @@
           <a:p>
             <a:r>
               <a:rPr lang="en-GB" dirty="0" smtClean="0"/>
-              <a:t>3(b).Commit and Push </a:t>
-            </a:r>
-            <a:r>
-              <a:rPr lang="en-GB" dirty="0" smtClean="0"/>
-              <a:t>Changes</a:t>
+              <a:t>3(b).Commit and Push Changes</a:t>
             </a:r>
             <a:endParaRPr lang="en-GB" dirty="0"/>
           </a:p>
